--- a/Workshop/ISUtrainig/presentations/ISU-WorkShop-Coupling_Codes_July2014-Alfoa.pptx
+++ b/Workshop/ISUtrainig/presentations/ISU-WorkShop-Coupling_Codes_July2014-Alfoa.pptx
@@ -40654,24 +40654,7 @@
                 <a:ea typeface="+mn-ea"/>
                 <a:cs typeface="+mn-cs"/>
               </a:rPr>
-              <a:t>ISU workshop,  </a:t>
-            </a:r>
-            <a:r>
-              <a:rPr kumimoji="0" lang="en-US" sz="2000" b="1" i="1" u="none" strike="noStrike" kern="0" cap="none" spc="0" normalizeH="0" baseline="0" noProof="0" dirty="0" smtClean="0">
-                <a:ln>
-                  <a:noFill/>
-                </a:ln>
-                <a:solidFill>
-                  <a:schemeClr val="bg1"/>
-                </a:solidFill>
-                <a:effectLst/>
-                <a:uLnTx/>
-                <a:uFillTx/>
-                <a:latin typeface="+mn-lt"/>
-                <a:ea typeface="+mn-ea"/>
-                <a:cs typeface="+mn-cs"/>
-              </a:rPr>
-              <a:t>July</a:t>
+              <a:t>ISU workshop,  July</a:t>
             </a:r>
             <a:r>
               <a:rPr kumimoji="0" lang="en-US" sz="2000" b="1" i="1" u="none" strike="noStrike" kern="0" cap="none" spc="0" normalizeH="0" noProof="0" dirty="0" smtClean="0">
@@ -40744,13 +40727,13 @@
   <p:clrMapOvr>
     <a:masterClrMapping/>
   </p:clrMapOvr>
-  <mc:AlternateContent xmlns:mc="http://schemas.openxmlformats.org/markup-compatibility/2006">
-    <mc:Choice xmlns:p14="http://schemas.microsoft.com/office/powerpoint/2010/main" Requires="p14">
+  <mc:AlternateContent xmlns:mc="http://schemas.openxmlformats.org/markup-compatibility/2006" xmlns:p14="http://schemas.microsoft.com/office/powerpoint/2010/main">
+    <mc:Choice Requires="p14">
       <p:transition spd="med" p14:dur="700">
         <p:fade/>
       </p:transition>
     </mc:Choice>
-    <mc:Fallback>
+    <mc:Fallback xmlns="">
       <p:transition xmlns:p14="http://schemas.microsoft.com/office/powerpoint/2010/main" spd="med">
         <p:fade/>
       </p:transition>
@@ -40880,13 +40863,13 @@
   <p:clrMapOvr>
     <a:masterClrMapping/>
   </p:clrMapOvr>
-  <mc:AlternateContent xmlns:mc="http://schemas.openxmlformats.org/markup-compatibility/2006">
-    <mc:Choice xmlns:p14="http://schemas.microsoft.com/office/powerpoint/2010/main" Requires="p14">
+  <mc:AlternateContent xmlns:mc="http://schemas.openxmlformats.org/markup-compatibility/2006" xmlns:p14="http://schemas.microsoft.com/office/powerpoint/2010/main">
+    <mc:Choice Requires="p14">
       <p:transition spd="med" p14:dur="700">
         <p:fade/>
       </p:transition>
     </mc:Choice>
-    <mc:Fallback>
+    <mc:Fallback xmlns="">
       <p:transition xmlns:p14="http://schemas.microsoft.com/office/powerpoint/2010/main" spd="med">
         <p:fade/>
       </p:transition>
@@ -41188,17 +41171,12 @@
               </a:rPr>
               <a:t>How it works</a:t>
             </a:r>
-            <a:endParaRPr lang="en-US" sz="2400" b="1" i="1" dirty="0" smtClean="0">
-              <a:solidFill>
-                <a:srgbClr val="FF6600"/>
-              </a:solidFill>
-            </a:endParaRPr>
           </a:p>
           <a:p>
             <a:pPr lvl="1"/>
             <a:r>
               <a:rPr lang="en-US" dirty="0" smtClean="0"/>
-              <a:t>Code Pre-requisites</a:t>
+              <a:t>Code prerequisites</a:t>
             </a:r>
           </a:p>
           <a:p>
@@ -41214,13 +41192,12 @@
               <a:rPr lang="en-US" dirty="0" smtClean="0"/>
               <a:t>How you need to interact with the code</a:t>
             </a:r>
-            <a:endParaRPr lang="en-US" dirty="0" smtClean="0"/>
           </a:p>
           <a:p>
             <a:pPr marL="457200" lvl="1" indent="0">
               <a:buNone/>
             </a:pPr>
-            <a:endParaRPr lang="en-US" dirty="0"/>
+            <a:endParaRPr lang="en-US" dirty="0" smtClean="0"/>
           </a:p>
           <a:p>
             <a:r>
@@ -41264,9 +41241,8 @@
             <a:pPr lvl="1"/>
             <a:r>
               <a:rPr lang="en-US" dirty="0" smtClean="0"/>
-              <a:t>Step by Step RAVEN-Example Code coupling</a:t>
+              <a:t>RAVEN Example Code coupling</a:t>
             </a:r>
-            <a:endParaRPr lang="en-US" dirty="0" smtClean="0"/>
           </a:p>
           <a:p>
             <a:pPr lvl="1"/>
@@ -41285,7 +41261,6 @@
               <a:rPr lang="en-US" i="1" dirty="0" smtClean="0"/>
               <a:t> </a:t>
             </a:r>
-            <a:endParaRPr lang="en-US" i="1" dirty="0"/>
           </a:p>
           <a:p>
             <a:pPr lvl="1"/>
@@ -41312,13 +41287,13 @@
   <p:clrMapOvr>
     <a:masterClrMapping/>
   </p:clrMapOvr>
-  <mc:AlternateContent xmlns:mc="http://schemas.openxmlformats.org/markup-compatibility/2006">
-    <mc:Choice xmlns:p14="http://schemas.microsoft.com/office/powerpoint/2010/main" Requires="p14">
+  <mc:AlternateContent xmlns:mc="http://schemas.openxmlformats.org/markup-compatibility/2006" xmlns:p14="http://schemas.microsoft.com/office/powerpoint/2010/main">
+    <mc:Choice Requires="p14">
       <p:transition spd="med" p14:dur="700">
         <p:fade/>
       </p:transition>
     </mc:Choice>
-    <mc:Fallback>
+    <mc:Fallback xmlns="">
       <p:transition xmlns:p14="http://schemas.microsoft.com/office/powerpoint/2010/main" spd="med">
         <p:fade/>
       </p:transition>
@@ -41368,7 +41343,7 @@
           <a:p>
             <a:r>
               <a:rPr lang="en-US" dirty="0" smtClean="0"/>
-              <a:t>In order to couple your Application to the RAVEN code, your code needs to satisfy some (FEW) pre-requisites.</a:t>
+              <a:t>In order to couple your Application to the RAVEN code, your code needs to satisfy some prerequisites.</a:t>
             </a:r>
             <a:endParaRPr lang="en-US" dirty="0"/>
           </a:p>
@@ -41389,7 +41364,7 @@
             <a:pPr lvl="2"/>
             <a:r>
               <a:rPr lang="en-US" dirty="0" smtClean="0"/>
-              <a:t>You need to know your code input syntax :D. Hence, you can write a Python-compatible parser for you input (a module that is able to read and modify your code input)</a:t>
+              <a:t>You need to know your code input syntax. Hence, you can write a Python-compatible parser for your input (a module that is able to read and modify your code input)</a:t>
             </a:r>
           </a:p>
           <a:p>
@@ -41417,7 +41392,7 @@
             </a:pPr>
             <a:r>
               <a:rPr lang="en-US" dirty="0" smtClean="0"/>
-              <a:t>RAVEN is able to handle CSV files (as outputs)</a:t>
+              <a:t>RAVEN is able to handle Comma Separated Values (CSV) files (as outputs)</a:t>
             </a:r>
           </a:p>
           <a:p>
@@ -41427,7 +41402,7 @@
             </a:pPr>
             <a:r>
               <a:rPr lang="en-US" dirty="0" smtClean="0"/>
-              <a:t>If your code output is not in CSV format, your interface needs to be able to convert it in a CSV format</a:t>
+              <a:t>If your code output is not in CSV format, your interface needs to be able to convert it into CSV format</a:t>
             </a:r>
           </a:p>
         </p:txBody>
@@ -41478,15 +41453,7 @@
             </a:br>
             <a:r>
               <a:rPr lang="en-US" dirty="0" smtClean="0"/>
-              <a:t>Code Pre</a:t>
-            </a:r>
-            <a:r>
-              <a:rPr lang="en-US" dirty="0"/>
-              <a:t>-</a:t>
-            </a:r>
-            <a:r>
-              <a:rPr lang="en-US" dirty="0" smtClean="0"/>
-              <a:t>requisites</a:t>
+              <a:t>Code Prerequisites</a:t>
             </a:r>
             <a:r>
               <a:rPr lang="en-US" dirty="0">
@@ -41517,13 +41484,13 @@
   <p:clrMapOvr>
     <a:masterClrMapping/>
   </p:clrMapOvr>
-  <mc:AlternateContent xmlns:mc="http://schemas.openxmlformats.org/markup-compatibility/2006">
-    <mc:Choice xmlns:p14="http://schemas.microsoft.com/office/powerpoint/2010/main" Requires="p14">
+  <mc:AlternateContent xmlns:mc="http://schemas.openxmlformats.org/markup-compatibility/2006" xmlns:p14="http://schemas.microsoft.com/office/powerpoint/2010/main">
+    <mc:Choice Requires="p14">
       <p:transition spd="med" p14:dur="700">
         <p:fade/>
       </p:transition>
     </mc:Choice>
-    <mc:Fallback>
+    <mc:Fallback xmlns="">
       <p:transition xmlns:p14="http://schemas.microsoft.com/office/powerpoint/2010/main" spd="med">
         <p:fade/>
       </p:transition>
@@ -41579,7 +41546,7 @@
             <a:pPr algn="just"/>
             <a:r>
               <a:rPr lang="en-US" dirty="0" smtClean="0"/>
-              <a:t>The RAVEN code has been built in a highly modular fashion.</a:t>
+              <a:t>The RAVEN has been built in a highly modular fashion.</a:t>
             </a:r>
           </a:p>
           <a:p>
@@ -41593,14 +41560,14 @@
             <a:pPr algn="just"/>
             <a:r>
               <a:rPr lang="en-US" dirty="0" smtClean="0"/>
-              <a:t>RAVEN framework gets aware of the Codes it can use as Models (i.e. codes that RAVEN can use) only at run-time stage, since it looks for code interfaces and loads them automatically</a:t>
+              <a:t>RAVEN becomes aware of the Codes it can use as Models (i.e. codes that RAVEN can use) only at run-time stage, since it looks for code interfaces and loads them automatically</a:t>
             </a:r>
           </a:p>
           <a:p>
             <a:pPr algn="just"/>
             <a:r>
               <a:rPr lang="en-US" dirty="0" smtClean="0"/>
-              <a:t>You do not need to touch the code itself. RAVEN is able to load a customized external interface for your code with few required (and optional) methods.</a:t>
+              <a:t>You do not need to change anything in RAVEN. RAVEN is able to load a customized external interface for your code with few required (and optional) methods.</a:t>
             </a:r>
           </a:p>
           <a:p>
@@ -41649,8 +41616,8 @@
         </p:nvSpPr>
         <p:spPr>
           <a:xfrm>
-            <a:off x="484188" y="609600"/>
-            <a:ext cx="8126412" cy="1109534"/>
+            <a:off x="484188" y="0"/>
+            <a:ext cx="8126412" cy="864273"/>
           </a:xfrm>
         </p:spPr>
         <p:txBody>
@@ -41714,7 +41681,7 @@
         </p:blipFill>
         <p:spPr>
           <a:xfrm>
-            <a:off x="0" y="1445602"/>
+            <a:off x="195385" y="3620039"/>
             <a:ext cx="9144000" cy="3565410"/>
           </a:xfrm>
           <a:prstGeom prst="rect">
@@ -41732,13 +41699,13 @@
   <p:clrMapOvr>
     <a:masterClrMapping/>
   </p:clrMapOvr>
-  <mc:AlternateContent xmlns:mc="http://schemas.openxmlformats.org/markup-compatibility/2006">
-    <mc:Choice xmlns:p14="http://schemas.microsoft.com/office/powerpoint/2010/main" Requires="p14">
+  <mc:AlternateContent xmlns:mc="http://schemas.openxmlformats.org/markup-compatibility/2006" xmlns:p14="http://schemas.microsoft.com/office/powerpoint/2010/main">
+    <mc:Choice Requires="p14">
       <p:transition spd="med" p14:dur="700">
         <p:fade/>
       </p:transition>
     </mc:Choice>
-    <mc:Fallback>
+    <mc:Fallback xmlns="">
       <p:transition xmlns:p14="http://schemas.microsoft.com/office/powerpoint/2010/main" spd="med">
         <p:fade/>
       </p:transition>
@@ -41861,13 +41828,29 @@
           <a:p>
             <a:r>
               <a:rPr lang="en-US" dirty="0" smtClean="0"/>
-              <a:t>As already mentioned, RAVEN can load your Code Interface automatically, without being aware of it in the source code.</a:t>
+              <a:t>RAVEN can load your Code Interface automatically, without being aware of it in the source code.</a:t>
             </a:r>
           </a:p>
           <a:p>
             <a:r>
               <a:rPr lang="en-US" dirty="0" smtClean="0"/>
-              <a:t>RAVEN expects, in your interface, to find few methods (that are going to be analyzed, in details, later on in this Presentation):</a:t>
+              <a:t>RAVEN expects</a:t>
+            </a:r>
+            <a:r>
+              <a:rPr lang="en-US" dirty="0"/>
+              <a:t> </a:t>
+            </a:r>
+            <a:r>
+              <a:rPr lang="en-US" dirty="0" smtClean="0"/>
+              <a:t>to find a few methods in </a:t>
+            </a:r>
+            <a:r>
+              <a:rPr lang="en-US" dirty="0"/>
+              <a:t>your </a:t>
+            </a:r>
+            <a:r>
+              <a:rPr lang="en-US" dirty="0" smtClean="0"/>
+              <a:t>interface:</a:t>
             </a:r>
           </a:p>
           <a:p>
@@ -42059,7 +42042,7 @@
         </p:blipFill>
         <p:spPr>
           <a:xfrm>
-            <a:off x="328849" y="4099535"/>
+            <a:off x="817310" y="4887636"/>
             <a:ext cx="8550096" cy="4600142"/>
           </a:xfrm>
           <a:prstGeom prst="rect">
@@ -42077,13 +42060,13 @@
   <p:clrMapOvr>
     <a:masterClrMapping/>
   </p:clrMapOvr>
-  <mc:AlternateContent xmlns:mc="http://schemas.openxmlformats.org/markup-compatibility/2006">
-    <mc:Choice xmlns:p14="http://schemas.microsoft.com/office/powerpoint/2010/main" Requires="p14">
+  <mc:AlternateContent xmlns:mc="http://schemas.openxmlformats.org/markup-compatibility/2006" xmlns:p14="http://schemas.microsoft.com/office/powerpoint/2010/main">
+    <mc:Choice Requires="p14">
       <p:transition spd="med" p14:dur="700">
         <p:fade/>
       </p:transition>
     </mc:Choice>
-    <mc:Fallback>
+    <mc:Fallback xmlns="">
       <p:transition xmlns:p14="http://schemas.microsoft.com/office/powerpoint/2010/main" spd="med">
         <p:fade/>
       </p:transition>
@@ -42922,13 +42905,13 @@
   <p:clrMapOvr>
     <a:masterClrMapping/>
   </p:clrMapOvr>
-  <mc:AlternateContent xmlns:mc="http://schemas.openxmlformats.org/markup-compatibility/2006">
-    <mc:Choice xmlns:p14="http://schemas.microsoft.com/office/powerpoint/2010/main" Requires="p14">
+  <mc:AlternateContent xmlns:mc="http://schemas.openxmlformats.org/markup-compatibility/2006" xmlns:p14="http://schemas.microsoft.com/office/powerpoint/2010/main">
+    <mc:Choice Requires="p14">
       <p:transition spd="med" p14:dur="700">
         <p:fade/>
       </p:transition>
     </mc:Choice>
-    <mc:Fallback>
+    <mc:Fallback xmlns="">
       <p:transition xmlns:p14="http://schemas.microsoft.com/office/powerpoint/2010/main" spd="med">
         <p:fade/>
       </p:transition>
@@ -43129,13 +43112,13 @@
   <p:clrMapOvr>
     <a:masterClrMapping/>
   </p:clrMapOvr>
-  <mc:AlternateContent xmlns:mc="http://schemas.openxmlformats.org/markup-compatibility/2006">
-    <mc:Choice xmlns:p14="http://schemas.microsoft.com/office/powerpoint/2010/main" Requires="p14">
+  <mc:AlternateContent xmlns:mc="http://schemas.openxmlformats.org/markup-compatibility/2006" xmlns:p14="http://schemas.microsoft.com/office/powerpoint/2010/main">
+    <mc:Choice Requires="p14">
       <p:transition spd="med" p14:dur="700">
         <p:fade/>
       </p:transition>
     </mc:Choice>
-    <mc:Fallback>
+    <mc:Fallback xmlns="">
       <p:transition xmlns:p14="http://schemas.microsoft.com/office/powerpoint/2010/main" spd="med">
         <p:fade/>
       </p:transition>
@@ -43517,13 +43500,13 @@
   <p:clrMapOvr>
     <a:masterClrMapping/>
   </p:clrMapOvr>
-  <mc:AlternateContent xmlns:mc="http://schemas.openxmlformats.org/markup-compatibility/2006">
-    <mc:Choice xmlns:p14="http://schemas.microsoft.com/office/powerpoint/2010/main" Requires="p14">
+  <mc:AlternateContent xmlns:mc="http://schemas.openxmlformats.org/markup-compatibility/2006" xmlns:p14="http://schemas.microsoft.com/office/powerpoint/2010/main">
+    <mc:Choice Requires="p14">
       <p:transition spd="med" p14:dur="700">
         <p:fade/>
       </p:transition>
     </mc:Choice>
-    <mc:Fallback>
+    <mc:Fallback xmlns="">
       <p:transition xmlns:p14="http://schemas.microsoft.com/office/powerpoint/2010/main" spd="med">
         <p:fade/>
       </p:transition>
@@ -43722,13 +43705,13 @@
   <p:clrMapOvr>
     <a:masterClrMapping/>
   </p:clrMapOvr>
-  <mc:AlternateContent xmlns:mc="http://schemas.openxmlformats.org/markup-compatibility/2006">
-    <mc:Choice xmlns:p14="http://schemas.microsoft.com/office/powerpoint/2010/main" Requires="p14">
+  <mc:AlternateContent xmlns:mc="http://schemas.openxmlformats.org/markup-compatibility/2006" xmlns:p14="http://schemas.microsoft.com/office/powerpoint/2010/main">
+    <mc:Choice Requires="p14">
       <p:transition spd="med" p14:dur="700">
         <p:fade/>
       </p:transition>
     </mc:Choice>
-    <mc:Fallback>
+    <mc:Fallback xmlns="">
       <p:transition xmlns:p14="http://schemas.microsoft.com/office/powerpoint/2010/main" spd="med">
         <p:fade/>
       </p:transition>
